--- a/990_【火】研究会/20230704_02_高矢_研究会/20230704_02_高矢_研究会.pptx
+++ b/990_【火】研究会/20230704_02_高矢_研究会/20230704_02_高矢_研究会.pptx
@@ -209,7 +209,7 @@
           <a:p>
             <a:fld id="{2C9EAC6B-9D88-410B-823D-7EF7261E5F95}" type="datetimeFigureOut">
               <a:rPr kumimoji="1" lang="ja-JP" altLang="en-US" smtClean="0"/>
-              <a:t>2023/7/4</a:t>
+              <a:t>2023/8/21</a:t>
             </a:fld>
             <a:endParaRPr kumimoji="1" lang="ja-JP" altLang="en-US"/>
           </a:p>
@@ -553,6 +553,294 @@
           <a:lstStyle/>
           <a:p>
             <a:r>
+              <a:rPr lang="en-US" dirty="0"/>
+              <a:t>&lt;</a:t>
+            </a:r>
+            <a:r>
+              <a:rPr lang="ja-JP" altLang="en-US" dirty="0"/>
+              <a:t>紹介あり</a:t>
+            </a:r>
+            <a:r>
+              <a:rPr lang="en-US" dirty="0"/>
+              <a:t>&gt;</a:t>
+            </a:r>
+          </a:p>
+          <a:p>
+            <a:r>
+              <a:rPr lang="ja-JP" altLang="en-US" dirty="0"/>
+              <a:t>こんにちは、東京電機大学　工学部　情報通信工学科の知能情報システム研究室で研究をしております。</a:t>
+            </a:r>
+            <a:endParaRPr lang="en-US" altLang="ja-JP" dirty="0"/>
+          </a:p>
+          <a:p>
+            <a:r>
+              <a:rPr lang="ja-JP" altLang="en-US" dirty="0"/>
+              <a:t>高矢空です。</a:t>
+            </a:r>
+            <a:endParaRPr lang="en-US" dirty="0"/>
+          </a:p>
+          <a:p>
+            <a:endParaRPr lang="en-US" dirty="0"/>
+          </a:p>
+          <a:p>
+            <a:r>
+              <a:rPr lang="en-US" dirty="0"/>
+              <a:t>&lt;</a:t>
+            </a:r>
+            <a:r>
+              <a:rPr lang="ja-JP" altLang="en-US" dirty="0"/>
+              <a:t>紹介なし</a:t>
+            </a:r>
+            <a:r>
+              <a:rPr lang="en-US" dirty="0"/>
+              <a:t>&gt;</a:t>
+            </a:r>
+          </a:p>
+          <a:p>
+            <a:r>
+              <a:rPr lang="ja-JP" altLang="en-US" dirty="0"/>
+              <a:t>先ほど紹介にあずかりました、高矢です。</a:t>
+            </a:r>
+            <a:endParaRPr lang="en-US" altLang="ja-JP" dirty="0"/>
+          </a:p>
+          <a:p>
+            <a:endParaRPr lang="en-US" dirty="0"/>
+          </a:p>
+          <a:p>
+            <a:r>
+              <a:rPr lang="ja-JP" altLang="en-US" dirty="0"/>
+              <a:t>それでは、今回は知識選択型転移強化学習を用いた移動ロボットによる動的障害物回避についての研究報告をさせていただこうと思います。</a:t>
+            </a:r>
+            <a:endParaRPr lang="en-US" dirty="0"/>
+          </a:p>
+          <a:p>
+            <a:endParaRPr lang="en-US" dirty="0"/>
+          </a:p>
+        </p:txBody>
+      </p:sp>
+      <p:sp>
+        <p:nvSpPr>
+          <p:cNvPr id="4" name="スライド番号プレースホルダー 3"/>
+          <p:cNvSpPr>
+            <a:spLocks noGrp="1"/>
+          </p:cNvSpPr>
+          <p:nvPr>
+            <p:ph type="sldNum" sz="quarter" idx="5"/>
+          </p:nvPr>
+        </p:nvSpPr>
+        <p:spPr/>
+        <p:txBody>
+          <a:bodyPr/>
+          <a:lstStyle/>
+          <a:p>
+            <a:fld id="{558DC2C3-751A-4700-B0B2-99581FD228CC}" type="slidenum">
+              <a:rPr kumimoji="1" lang="ja-JP" altLang="en-US" smtClean="0"/>
+              <a:t>1</a:t>
+            </a:fld>
+            <a:endParaRPr kumimoji="1" lang="ja-JP" altLang="en-US"/>
+          </a:p>
+        </p:txBody>
+      </p:sp>
+    </p:spTree>
+    <p:extLst>
+      <p:ext uri="{BB962C8B-B14F-4D97-AF65-F5344CB8AC3E}">
+        <p14:creationId xmlns:p14="http://schemas.microsoft.com/office/powerpoint/2010/main" val="3341684311"/>
+      </p:ext>
+    </p:extLst>
+  </p:cSld>
+  <p:clrMapOvr>
+    <a:masterClrMapping/>
+  </p:clrMapOvr>
+</p:notes>
+</file>
+
+<file path=ppt/notesSlides/notesSlide2.xml><?xml version="1.0" encoding="utf-8"?>
+<p:notes xmlns:a="http://schemas.openxmlformats.org/drawingml/2006/main" xmlns:r="http://schemas.openxmlformats.org/officeDocument/2006/relationships" xmlns:p="http://schemas.openxmlformats.org/presentationml/2006/main">
+  <p:cSld>
+    <p:spTree>
+      <p:nvGrpSpPr>
+        <p:cNvPr id="1" name=""/>
+        <p:cNvGrpSpPr/>
+        <p:nvPr/>
+      </p:nvGrpSpPr>
+      <p:grpSpPr>
+        <a:xfrm>
+          <a:off x="0" y="0"/>
+          <a:ext cx="0" cy="0"/>
+          <a:chOff x="0" y="0"/>
+          <a:chExt cx="0" cy="0"/>
+        </a:xfrm>
+      </p:grpSpPr>
+      <p:sp>
+        <p:nvSpPr>
+          <p:cNvPr id="2" name="スライド イメージ プレースホルダー 1"/>
+          <p:cNvSpPr>
+            <a:spLocks noGrp="1" noRot="1" noChangeAspect="1"/>
+          </p:cNvSpPr>
+          <p:nvPr>
+            <p:ph type="sldImg"/>
+          </p:nvPr>
+        </p:nvSpPr>
+        <p:spPr/>
+      </p:sp>
+      <p:sp>
+        <p:nvSpPr>
+          <p:cNvPr id="3" name="ノート プレースホルダー 2"/>
+          <p:cNvSpPr>
+            <a:spLocks noGrp="1"/>
+          </p:cNvSpPr>
+          <p:nvPr>
+            <p:ph type="body" idx="1"/>
+          </p:nvPr>
+        </p:nvSpPr>
+        <p:spPr/>
+        <p:txBody>
+          <a:bodyPr/>
+          <a:lstStyle/>
+          <a:p>
+            <a:r>
+              <a:rPr lang="ja-JP" altLang="en-US" dirty="0"/>
+              <a:t>まず、この研究を始めた理由といたしましては、</a:t>
+            </a:r>
+            <a:endParaRPr lang="en-US" altLang="ja-JP" dirty="0"/>
+          </a:p>
+          <a:p>
+            <a:endParaRPr lang="en-US" dirty="0"/>
+          </a:p>
+          <a:p>
+            <a:r>
+              <a:rPr lang="ja-JP" altLang="en-US" dirty="0"/>
+              <a:t>研究背景としては下記の３点があげられます。</a:t>
+            </a:r>
+            <a:endParaRPr lang="en-US" altLang="ja-JP" dirty="0"/>
+          </a:p>
+          <a:p>
+            <a:r>
+              <a:rPr lang="ja-JP" altLang="en-US" dirty="0"/>
+              <a:t>災害地でも臨機応変な対応が可能な探索・救命ロボットの需要が高まっている。</a:t>
+            </a:r>
+            <a:endParaRPr lang="en-US" altLang="ja-JP" dirty="0"/>
+          </a:p>
+          <a:p>
+            <a:r>
+              <a:rPr lang="ja-JP" altLang="en-US" dirty="0"/>
+              <a:t>近年の自動運転技術の進展により、利用者の運転負担が軽減され、交通の安全性と効率性が向上している点</a:t>
+            </a:r>
+          </a:p>
+          <a:p>
+            <a:r>
+              <a:rPr lang="ja-JP" altLang="en-US" dirty="0"/>
+              <a:t>自動運転車は機械学習技術を活用し、自律的な運転を実現している。</a:t>
+            </a:r>
+            <a:endParaRPr lang="en-US" altLang="ja-JP" dirty="0"/>
+          </a:p>
+          <a:p>
+            <a:r>
+              <a:rPr lang="ja-JP" altLang="en-US" dirty="0"/>
+              <a:t>しかし、その自動運転車が直面する課題の一つとして、動的な障害物の回避がある。</a:t>
+            </a:r>
+            <a:endParaRPr lang="en-US" altLang="ja-JP" sz="1050" dirty="0"/>
+          </a:p>
+          <a:p>
+            <a:endParaRPr lang="en-US" altLang="ja-JP" dirty="0"/>
+          </a:p>
+          <a:p>
+            <a:r>
+              <a:rPr lang="ja-JP" altLang="en-US" dirty="0"/>
+              <a:t>これらを総合的に考えると、研究すべき内容は、</a:t>
+            </a:r>
+            <a:endParaRPr lang="en-US" altLang="ja-JP" dirty="0"/>
+          </a:p>
+          <a:p>
+            <a:r>
+              <a:rPr lang="ja-JP" altLang="en-US" dirty="0"/>
+              <a:t>自動運転</a:t>
+            </a:r>
+            <a:endParaRPr lang="en-US" altLang="ja-JP" dirty="0"/>
+          </a:p>
+        </p:txBody>
+      </p:sp>
+      <p:sp>
+        <p:nvSpPr>
+          <p:cNvPr id="4" name="スライド番号プレースホルダー 3"/>
+          <p:cNvSpPr>
+            <a:spLocks noGrp="1"/>
+          </p:cNvSpPr>
+          <p:nvPr>
+            <p:ph type="sldNum" sz="quarter" idx="5"/>
+          </p:nvPr>
+        </p:nvSpPr>
+        <p:spPr/>
+        <p:txBody>
+          <a:bodyPr/>
+          <a:lstStyle/>
+          <a:p>
+            <a:fld id="{558DC2C3-751A-4700-B0B2-99581FD228CC}" type="slidenum">
+              <a:rPr kumimoji="1" lang="ja-JP" altLang="en-US" smtClean="0"/>
+              <a:t>2</a:t>
+            </a:fld>
+            <a:endParaRPr kumimoji="1" lang="ja-JP" altLang="en-US"/>
+          </a:p>
+        </p:txBody>
+      </p:sp>
+    </p:spTree>
+    <p:extLst>
+      <p:ext uri="{BB962C8B-B14F-4D97-AF65-F5344CB8AC3E}">
+        <p14:creationId xmlns:p14="http://schemas.microsoft.com/office/powerpoint/2010/main" val="1022317948"/>
+      </p:ext>
+    </p:extLst>
+  </p:cSld>
+  <p:clrMapOvr>
+    <a:masterClrMapping/>
+  </p:clrMapOvr>
+</p:notes>
+</file>
+
+<file path=ppt/notesSlides/notesSlide3.xml><?xml version="1.0" encoding="utf-8"?>
+<p:notes xmlns:a="http://schemas.openxmlformats.org/drawingml/2006/main" xmlns:r="http://schemas.openxmlformats.org/officeDocument/2006/relationships" xmlns:p="http://schemas.openxmlformats.org/presentationml/2006/main">
+  <p:cSld>
+    <p:spTree>
+      <p:nvGrpSpPr>
+        <p:cNvPr id="1" name=""/>
+        <p:cNvGrpSpPr/>
+        <p:nvPr/>
+      </p:nvGrpSpPr>
+      <p:grpSpPr>
+        <a:xfrm>
+          <a:off x="0" y="0"/>
+          <a:ext cx="0" cy="0"/>
+          <a:chOff x="0" y="0"/>
+          <a:chExt cx="0" cy="0"/>
+        </a:xfrm>
+      </p:grpSpPr>
+      <p:sp>
+        <p:nvSpPr>
+          <p:cNvPr id="2" name="スライド イメージ プレースホルダー 1"/>
+          <p:cNvSpPr>
+            <a:spLocks noGrp="1" noRot="1" noChangeAspect="1"/>
+          </p:cNvSpPr>
+          <p:nvPr>
+            <p:ph type="sldImg"/>
+          </p:nvPr>
+        </p:nvSpPr>
+        <p:spPr/>
+      </p:sp>
+      <p:sp>
+        <p:nvSpPr>
+          <p:cNvPr id="3" name="ノート プレースホルダー 2"/>
+          <p:cNvSpPr>
+            <a:spLocks noGrp="1"/>
+          </p:cNvSpPr>
+          <p:nvPr>
+            <p:ph type="body" idx="1"/>
+          </p:nvPr>
+        </p:nvSpPr>
+        <p:spPr/>
+        <p:txBody>
+          <a:bodyPr/>
+          <a:lstStyle/>
+          <a:p>
+            <a:r>
               <a:rPr kumimoji="1" lang="ja-JP" altLang="en-US" dirty="0"/>
               <a:t>転移学習における、既存の研究は</a:t>
             </a:r>
@@ -631,7 +919,7 @@
 </p:notes>
 </file>
 
-<file path=ppt/notesSlides/notesSlide2.xml><?xml version="1.0" encoding="utf-8"?>
+<file path=ppt/notesSlides/notesSlide4.xml><?xml version="1.0" encoding="utf-8"?>
 <p:notes xmlns:a="http://schemas.openxmlformats.org/drawingml/2006/main" xmlns:r="http://schemas.openxmlformats.org/officeDocument/2006/relationships" xmlns:p="http://schemas.openxmlformats.org/presentationml/2006/main">
   <p:cSld>
     <p:spTree>
@@ -5865,7 +6153,7 @@
           <p:nvPr/>
         </p:nvPicPr>
         <p:blipFill>
-          <a:blip r:embed="rId2">
+          <a:blip r:embed="rId3">
             <a:extLst>
               <a:ext uri="{28A0092B-C50C-407E-A947-70E740481C1C}">
                 <a14:useLocalDpi xmlns:a14="http://schemas.microsoft.com/office/drawing/2010/main" val="0"/>
